--- a/CaseWeek2018_LM.pptx
+++ b/CaseWeek2018_LM.pptx
@@ -5,7 +5,7 @@
     <p:sldMasterId id="2147483648" r:id="rId1"/>
   </p:sldMasterIdLst>
   <p:notesMasterIdLst>
-    <p:notesMasterId r:id="rId34"/>
+    <p:notesMasterId r:id="rId37"/>
   </p:notesMasterIdLst>
   <p:sldIdLst>
     <p:sldId id="256" r:id="rId2"/>
@@ -39,7 +39,10 @@
     <p:sldId id="285" r:id="rId30"/>
     <p:sldId id="286" r:id="rId31"/>
     <p:sldId id="287" r:id="rId32"/>
-    <p:sldId id="283" r:id="rId33"/>
+    <p:sldId id="290" r:id="rId33"/>
+    <p:sldId id="291" r:id="rId34"/>
+    <p:sldId id="292" r:id="rId35"/>
+    <p:sldId id="283" r:id="rId36"/>
   </p:sldIdLst>
   <p:sldSz cx="9144000" cy="6858000" type="screen4x3"/>
   <p:notesSz cx="6858000" cy="9144000"/>
@@ -141,6 +144,731 @@
 </p:presentation>
 </file>
 
+<file path=ppt/charts/chart1.xml><?xml version="1.0" encoding="utf-8"?>
+<c:chartSpace xmlns:c="http://schemas.openxmlformats.org/drawingml/2006/chart" xmlns:a="http://schemas.openxmlformats.org/drawingml/2006/main" xmlns:r="http://schemas.openxmlformats.org/officeDocument/2006/relationships">
+  <c:date1904 val="0"/>
+  <c:lang val="en-US"/>
+  <c:roundedCorners val="0"/>
+  <mc:AlternateContent xmlns:mc="http://schemas.openxmlformats.org/markup-compatibility/2006">
+    <mc:Choice xmlns:c14="http://schemas.microsoft.com/office/drawing/2007/8/2/chart" Requires="c14">
+      <c14:style val="102"/>
+    </mc:Choice>
+    <mc:Fallback>
+      <c:style val="2"/>
+    </mc:Fallback>
+  </mc:AlternateContent>
+  <c:chart>
+    <c:title>
+      <c:layout>
+        <c:manualLayout>
+          <c:xMode val="edge"/>
+          <c:yMode val="edge"/>
+          <c:x val="0.19800838532327469"/>
+          <c:y val="0.7550792269603912"/>
+        </c:manualLayout>
+      </c:layout>
+      <c:overlay val="0"/>
+    </c:title>
+    <c:autoTitleDeleted val="0"/>
+    <c:plotArea>
+      <c:layout>
+        <c:manualLayout>
+          <c:layoutTarget val="inner"/>
+          <c:xMode val="edge"/>
+          <c:yMode val="edge"/>
+          <c:x val="0.10623166463526054"/>
+          <c:y val="0.19940792672164195"/>
+          <c:w val="0.86189165744669316"/>
+          <c:h val="0.28224863981073472"/>
+        </c:manualLayout>
+      </c:layout>
+      <c:barChart>
+        <c:barDir val="col"/>
+        <c:grouping val="clustered"/>
+        <c:varyColors val="0"/>
+        <c:ser>
+          <c:idx val="0"/>
+          <c:order val="0"/>
+          <c:tx>
+            <c:strRef>
+              <c:f>Sheet1!$B$1</c:f>
+              <c:strCache>
+                <c:ptCount val="1"/>
+                <c:pt idx="0">
+                  <c:v>Prawdopodobieństwo</c:v>
+                </c:pt>
+              </c:strCache>
+            </c:strRef>
+          </c:tx>
+          <c:invertIfNegative val="0"/>
+          <c:cat>
+            <c:strRef>
+              <c:f>Sheet1!$A$2:$A$5</c:f>
+              <c:strCache>
+                <c:ptCount val="4"/>
+                <c:pt idx="0">
+                  <c:v>a</c:v>
+                </c:pt>
+                <c:pt idx="1">
+                  <c:v>ą</c:v>
+                </c:pt>
+                <c:pt idx="2">
+                  <c:v>i</c:v>
+                </c:pt>
+                <c:pt idx="3">
+                  <c:v>y</c:v>
+                </c:pt>
+              </c:strCache>
+            </c:strRef>
+          </c:cat>
+          <c:val>
+            <c:numRef>
+              <c:f>Sheet1!$B$2:$B$5</c:f>
+              <c:numCache>
+                <c:formatCode>General</c:formatCode>
+                <c:ptCount val="4"/>
+                <c:pt idx="0">
+                  <c:v>0.5</c:v>
+                </c:pt>
+                <c:pt idx="1">
+                  <c:v>0.15</c:v>
+                </c:pt>
+                <c:pt idx="2">
+                  <c:v>0.05</c:v>
+                </c:pt>
+                <c:pt idx="3">
+                  <c:v>0.4</c:v>
+                </c:pt>
+              </c:numCache>
+            </c:numRef>
+          </c:val>
+        </c:ser>
+        <c:dLbls>
+          <c:showLegendKey val="0"/>
+          <c:showVal val="0"/>
+          <c:showCatName val="0"/>
+          <c:showSerName val="0"/>
+          <c:showPercent val="0"/>
+          <c:showBubbleSize val="0"/>
+        </c:dLbls>
+        <c:gapWidth val="150"/>
+        <c:axId val="83221120"/>
+        <c:axId val="85389312"/>
+      </c:barChart>
+      <c:catAx>
+        <c:axId val="83221120"/>
+        <c:scaling>
+          <c:orientation val="minMax"/>
+        </c:scaling>
+        <c:delete val="0"/>
+        <c:axPos val="b"/>
+        <c:majorTickMark val="out"/>
+        <c:minorTickMark val="none"/>
+        <c:tickLblPos val="nextTo"/>
+        <c:crossAx val="85389312"/>
+        <c:crosses val="autoZero"/>
+        <c:auto val="1"/>
+        <c:lblAlgn val="ctr"/>
+        <c:lblOffset val="100"/>
+        <c:noMultiLvlLbl val="0"/>
+      </c:catAx>
+      <c:valAx>
+        <c:axId val="85389312"/>
+        <c:scaling>
+          <c:orientation val="minMax"/>
+        </c:scaling>
+        <c:delete val="0"/>
+        <c:axPos val="l"/>
+        <c:majorGridlines/>
+        <c:numFmt formatCode="General" sourceLinked="1"/>
+        <c:majorTickMark val="out"/>
+        <c:minorTickMark val="none"/>
+        <c:tickLblPos val="nextTo"/>
+        <c:crossAx val="83221120"/>
+        <c:crosses val="autoZero"/>
+        <c:crossBetween val="between"/>
+      </c:valAx>
+    </c:plotArea>
+    <c:plotVisOnly val="1"/>
+    <c:dispBlanksAs val="gap"/>
+    <c:showDLblsOverMax val="0"/>
+  </c:chart>
+  <c:txPr>
+    <a:bodyPr/>
+    <a:lstStyle/>
+    <a:p>
+      <a:pPr>
+        <a:defRPr sz="1800"/>
+      </a:pPr>
+      <a:endParaRPr lang="en-US"/>
+    </a:p>
+  </c:txPr>
+  <c:externalData r:id="rId1">
+    <c:autoUpdate val="0"/>
+  </c:externalData>
+</c:chartSpace>
+</file>
+
+<file path=ppt/charts/chart2.xml><?xml version="1.0" encoding="utf-8"?>
+<c:chartSpace xmlns:c="http://schemas.openxmlformats.org/drawingml/2006/chart" xmlns:a="http://schemas.openxmlformats.org/drawingml/2006/main" xmlns:r="http://schemas.openxmlformats.org/officeDocument/2006/relationships">
+  <c:date1904 val="0"/>
+  <c:lang val="en-US"/>
+  <c:roundedCorners val="0"/>
+  <mc:AlternateContent xmlns:mc="http://schemas.openxmlformats.org/markup-compatibility/2006">
+    <mc:Choice xmlns:c14="http://schemas.microsoft.com/office/drawing/2007/8/2/chart" Requires="c14">
+      <c14:style val="102"/>
+    </mc:Choice>
+    <mc:Fallback>
+      <c:style val="2"/>
+    </mc:Fallback>
+  </mc:AlternateContent>
+  <c:chart>
+    <c:title>
+      <c:layout>
+        <c:manualLayout>
+          <c:xMode val="edge"/>
+          <c:yMode val="edge"/>
+          <c:x val="0.19800838532327469"/>
+          <c:y val="0.7550792269603912"/>
+        </c:manualLayout>
+      </c:layout>
+      <c:overlay val="0"/>
+    </c:title>
+    <c:autoTitleDeleted val="0"/>
+    <c:plotArea>
+      <c:layout>
+        <c:manualLayout>
+          <c:layoutTarget val="inner"/>
+          <c:xMode val="edge"/>
+          <c:yMode val="edge"/>
+          <c:x val="0.10623166463526054"/>
+          <c:y val="0.19940792672164195"/>
+          <c:w val="0.86189165744669316"/>
+          <c:h val="0.28224863981073472"/>
+        </c:manualLayout>
+      </c:layout>
+      <c:barChart>
+        <c:barDir val="col"/>
+        <c:grouping val="clustered"/>
+        <c:varyColors val="0"/>
+        <c:ser>
+          <c:idx val="0"/>
+          <c:order val="0"/>
+          <c:tx>
+            <c:strRef>
+              <c:f>Sheet1!$B$1</c:f>
+              <c:strCache>
+                <c:ptCount val="1"/>
+                <c:pt idx="0">
+                  <c:v>Prawdopodobieństwo</c:v>
+                </c:pt>
+              </c:strCache>
+            </c:strRef>
+          </c:tx>
+          <c:invertIfNegative val="0"/>
+          <c:cat>
+            <c:strRef>
+              <c:f>Sheet1!$A$2:$A$5</c:f>
+              <c:strCache>
+                <c:ptCount val="4"/>
+                <c:pt idx="0">
+                  <c:v>a</c:v>
+                </c:pt>
+                <c:pt idx="1">
+                  <c:v>ą</c:v>
+                </c:pt>
+                <c:pt idx="2">
+                  <c:v>i</c:v>
+                </c:pt>
+                <c:pt idx="3">
+                  <c:v>y</c:v>
+                </c:pt>
+              </c:strCache>
+            </c:strRef>
+          </c:cat>
+          <c:val>
+            <c:numRef>
+              <c:f>Sheet1!$B$2:$B$5</c:f>
+              <c:numCache>
+                <c:formatCode>General</c:formatCode>
+                <c:ptCount val="4"/>
+                <c:pt idx="0">
+                  <c:v>0.5</c:v>
+                </c:pt>
+                <c:pt idx="1">
+                  <c:v>0.15</c:v>
+                </c:pt>
+                <c:pt idx="2">
+                  <c:v>0.05</c:v>
+                </c:pt>
+                <c:pt idx="3">
+                  <c:v>0.4</c:v>
+                </c:pt>
+              </c:numCache>
+            </c:numRef>
+          </c:val>
+        </c:ser>
+        <c:dLbls>
+          <c:showLegendKey val="0"/>
+          <c:showVal val="0"/>
+          <c:showCatName val="0"/>
+          <c:showSerName val="0"/>
+          <c:showPercent val="0"/>
+          <c:showBubbleSize val="0"/>
+        </c:dLbls>
+        <c:gapWidth val="150"/>
+        <c:axId val="127683200"/>
+        <c:axId val="128004864"/>
+      </c:barChart>
+      <c:catAx>
+        <c:axId val="127683200"/>
+        <c:scaling>
+          <c:orientation val="minMax"/>
+        </c:scaling>
+        <c:delete val="0"/>
+        <c:axPos val="b"/>
+        <c:majorTickMark val="out"/>
+        <c:minorTickMark val="none"/>
+        <c:tickLblPos val="nextTo"/>
+        <c:crossAx val="128004864"/>
+        <c:crosses val="autoZero"/>
+        <c:auto val="1"/>
+        <c:lblAlgn val="ctr"/>
+        <c:lblOffset val="100"/>
+        <c:noMultiLvlLbl val="0"/>
+      </c:catAx>
+      <c:valAx>
+        <c:axId val="128004864"/>
+        <c:scaling>
+          <c:orientation val="minMax"/>
+        </c:scaling>
+        <c:delete val="0"/>
+        <c:axPos val="l"/>
+        <c:majorGridlines/>
+        <c:numFmt formatCode="General" sourceLinked="1"/>
+        <c:majorTickMark val="out"/>
+        <c:minorTickMark val="none"/>
+        <c:tickLblPos val="nextTo"/>
+        <c:crossAx val="127683200"/>
+        <c:crosses val="autoZero"/>
+        <c:crossBetween val="between"/>
+      </c:valAx>
+    </c:plotArea>
+    <c:plotVisOnly val="1"/>
+    <c:dispBlanksAs val="gap"/>
+    <c:showDLblsOverMax val="0"/>
+  </c:chart>
+  <c:txPr>
+    <a:bodyPr/>
+    <a:lstStyle/>
+    <a:p>
+      <a:pPr>
+        <a:defRPr sz="1800"/>
+      </a:pPr>
+      <a:endParaRPr lang="en-US"/>
+    </a:p>
+  </c:txPr>
+  <c:externalData r:id="rId1">
+    <c:autoUpdate val="0"/>
+  </c:externalData>
+</c:chartSpace>
+</file>
+
+<file path=ppt/charts/chart3.xml><?xml version="1.0" encoding="utf-8"?>
+<c:chartSpace xmlns:c="http://schemas.openxmlformats.org/drawingml/2006/chart" xmlns:a="http://schemas.openxmlformats.org/drawingml/2006/main" xmlns:r="http://schemas.openxmlformats.org/officeDocument/2006/relationships">
+  <c:date1904 val="0"/>
+  <c:lang val="en-US"/>
+  <c:roundedCorners val="0"/>
+  <mc:AlternateContent xmlns:mc="http://schemas.openxmlformats.org/markup-compatibility/2006">
+    <mc:Choice xmlns:c14="http://schemas.microsoft.com/office/drawing/2007/8/2/chart" Requires="c14">
+      <c14:style val="102"/>
+    </mc:Choice>
+    <mc:Fallback>
+      <c:style val="2"/>
+    </mc:Fallback>
+  </mc:AlternateContent>
+  <c:chart>
+    <c:title>
+      <c:tx>
+        <c:rich>
+          <a:bodyPr/>
+          <a:lstStyle/>
+          <a:p>
+            <a:pPr>
+              <a:defRPr/>
+            </a:pPr>
+            <a:r>
+              <a:rPr lang="pl-PL" sz="2000" smtClean="0"/>
+              <a:t>Rozkład</a:t>
+            </a:r>
+            <a:r>
+              <a:rPr lang="pl-PL" sz="2000" baseline="0" smtClean="0"/>
+              <a:t> spłaszcony (</a:t>
+            </a:r>
+            <a:r>
+              <a:rPr lang="el-GR" sz="2000" baseline="0" smtClean="0">
+                <a:latin typeface="Calibri"/>
+              </a:rPr>
+              <a:t>τ</a:t>
+            </a:r>
+            <a:r>
+              <a:rPr lang="pl-PL" sz="2000" baseline="0" smtClean="0">
+                <a:latin typeface="Calibri"/>
+              </a:rPr>
+              <a:t> duże)</a:t>
+            </a:r>
+            <a:endParaRPr lang="en-US" sz="2000"/>
+          </a:p>
+        </c:rich>
+      </c:tx>
+      <c:layout>
+        <c:manualLayout>
+          <c:xMode val="edge"/>
+          <c:yMode val="edge"/>
+          <c:x val="0.19800838532327469"/>
+          <c:y val="0.7550792269603912"/>
+        </c:manualLayout>
+      </c:layout>
+      <c:overlay val="0"/>
+    </c:title>
+    <c:autoTitleDeleted val="0"/>
+    <c:plotArea>
+      <c:layout>
+        <c:manualLayout>
+          <c:layoutTarget val="inner"/>
+          <c:xMode val="edge"/>
+          <c:yMode val="edge"/>
+          <c:x val="0.10623166463526054"/>
+          <c:y val="0.19940792672164195"/>
+          <c:w val="0.86189165744669316"/>
+          <c:h val="0.28224863981073472"/>
+        </c:manualLayout>
+      </c:layout>
+      <c:barChart>
+        <c:barDir val="col"/>
+        <c:grouping val="clustered"/>
+        <c:varyColors val="0"/>
+        <c:ser>
+          <c:idx val="0"/>
+          <c:order val="0"/>
+          <c:tx>
+            <c:strRef>
+              <c:f>Sheet1!$B$1</c:f>
+              <c:strCache>
+                <c:ptCount val="1"/>
+                <c:pt idx="0">
+                  <c:v>Prawdopodobieństwo</c:v>
+                </c:pt>
+              </c:strCache>
+            </c:strRef>
+          </c:tx>
+          <c:invertIfNegative val="0"/>
+          <c:cat>
+            <c:strRef>
+              <c:f>Sheet1!$A$2:$A$5</c:f>
+              <c:strCache>
+                <c:ptCount val="4"/>
+                <c:pt idx="0">
+                  <c:v>a</c:v>
+                </c:pt>
+                <c:pt idx="1">
+                  <c:v>ą</c:v>
+                </c:pt>
+                <c:pt idx="2">
+                  <c:v>i</c:v>
+                </c:pt>
+                <c:pt idx="3">
+                  <c:v>y</c:v>
+                </c:pt>
+              </c:strCache>
+            </c:strRef>
+          </c:cat>
+          <c:val>
+            <c:numRef>
+              <c:f>Sheet1!$B$2:$B$5</c:f>
+              <c:numCache>
+                <c:formatCode>General</c:formatCode>
+                <c:ptCount val="4"/>
+                <c:pt idx="0">
+                  <c:v>0.367392353726542</c:v>
+                </c:pt>
+                <c:pt idx="1">
+                  <c:v>0.18244164358593587</c:v>
+                </c:pt>
+                <c:pt idx="2">
+                  <c:v>0.14937058424589802</c:v>
+                </c:pt>
+                <c:pt idx="3">
+                  <c:v>0.30079541844162405</c:v>
+                </c:pt>
+              </c:numCache>
+            </c:numRef>
+          </c:val>
+        </c:ser>
+        <c:dLbls>
+          <c:showLegendKey val="0"/>
+          <c:showVal val="0"/>
+          <c:showCatName val="0"/>
+          <c:showSerName val="0"/>
+          <c:showPercent val="0"/>
+          <c:showBubbleSize val="0"/>
+        </c:dLbls>
+        <c:gapWidth val="150"/>
+        <c:axId val="83016320"/>
+        <c:axId val="83100032"/>
+      </c:barChart>
+      <c:catAx>
+        <c:axId val="83016320"/>
+        <c:scaling>
+          <c:orientation val="minMax"/>
+        </c:scaling>
+        <c:delete val="0"/>
+        <c:axPos val="b"/>
+        <c:majorTickMark val="out"/>
+        <c:minorTickMark val="none"/>
+        <c:tickLblPos val="nextTo"/>
+        <c:crossAx val="83100032"/>
+        <c:crosses val="autoZero"/>
+        <c:auto val="1"/>
+        <c:lblAlgn val="ctr"/>
+        <c:lblOffset val="100"/>
+        <c:noMultiLvlLbl val="0"/>
+      </c:catAx>
+      <c:valAx>
+        <c:axId val="83100032"/>
+        <c:scaling>
+          <c:orientation val="minMax"/>
+          <c:max val="1"/>
+        </c:scaling>
+        <c:delete val="0"/>
+        <c:axPos val="l"/>
+        <c:majorGridlines/>
+        <c:numFmt formatCode="General" sourceLinked="1"/>
+        <c:majorTickMark val="out"/>
+        <c:minorTickMark val="none"/>
+        <c:tickLblPos val="nextTo"/>
+        <c:crossAx val="83016320"/>
+        <c:crosses val="autoZero"/>
+        <c:crossBetween val="between"/>
+      </c:valAx>
+    </c:plotArea>
+    <c:plotVisOnly val="1"/>
+    <c:dispBlanksAs val="gap"/>
+    <c:showDLblsOverMax val="0"/>
+  </c:chart>
+  <c:txPr>
+    <a:bodyPr/>
+    <a:lstStyle/>
+    <a:p>
+      <a:pPr>
+        <a:defRPr sz="1800"/>
+      </a:pPr>
+      <a:endParaRPr lang="en-US"/>
+    </a:p>
+  </c:txPr>
+  <c:externalData r:id="rId1">
+    <c:autoUpdate val="0"/>
+  </c:externalData>
+</c:chartSpace>
+</file>
+
+<file path=ppt/charts/chart4.xml><?xml version="1.0" encoding="utf-8"?>
+<c:chartSpace xmlns:c="http://schemas.openxmlformats.org/drawingml/2006/chart" xmlns:a="http://schemas.openxmlformats.org/drawingml/2006/main" xmlns:r="http://schemas.openxmlformats.org/officeDocument/2006/relationships">
+  <c:date1904 val="0"/>
+  <c:lang val="en-US"/>
+  <c:roundedCorners val="0"/>
+  <mc:AlternateContent xmlns:mc="http://schemas.openxmlformats.org/markup-compatibility/2006">
+    <mc:Choice xmlns:c14="http://schemas.microsoft.com/office/drawing/2007/8/2/chart" Requires="c14">
+      <c14:style val="102"/>
+    </mc:Choice>
+    <mc:Fallback>
+      <c:style val="2"/>
+    </mc:Fallback>
+  </mc:AlternateContent>
+  <c:chart>
+    <c:title>
+      <c:tx>
+        <c:rich>
+          <a:bodyPr/>
+          <a:lstStyle/>
+          <a:p>
+            <a:pPr>
+              <a:defRPr/>
+            </a:pPr>
+            <a:r>
+              <a:rPr lang="pl-PL" sz="2000" smtClean="0"/>
+              <a:t>Rozkład</a:t>
+            </a:r>
+            <a:r>
+              <a:rPr lang="pl-PL" sz="2000" baseline="0" smtClean="0"/>
+              <a:t> wyostrzony (</a:t>
+            </a:r>
+            <a:r>
+              <a:rPr lang="el-GR" sz="2000" b="1" i="0" u="none" strike="noStrike" baseline="0" smtClean="0">
+                <a:effectLst/>
+              </a:rPr>
+              <a:t>τ</a:t>
+            </a:r>
+            <a:r>
+              <a:rPr lang="pl-PL" sz="2000" b="1" i="0" u="none" strike="noStrike" baseline="0" smtClean="0">
+                <a:effectLst/>
+              </a:rPr>
+              <a:t> małe)</a:t>
+            </a:r>
+            <a:endParaRPr lang="en-US" sz="2000"/>
+          </a:p>
+        </c:rich>
+      </c:tx>
+      <c:layout>
+        <c:manualLayout>
+          <c:xMode val="edge"/>
+          <c:yMode val="edge"/>
+          <c:x val="0.19800838532327469"/>
+          <c:y val="0.7550792269603912"/>
+        </c:manualLayout>
+      </c:layout>
+      <c:overlay val="0"/>
+    </c:title>
+    <c:autoTitleDeleted val="0"/>
+    <c:plotArea>
+      <c:layout>
+        <c:manualLayout>
+          <c:layoutTarget val="inner"/>
+          <c:xMode val="edge"/>
+          <c:yMode val="edge"/>
+          <c:x val="0.10623166463526054"/>
+          <c:y val="0.19940792672164195"/>
+          <c:w val="0.86189165744669316"/>
+          <c:h val="0.28224863981073472"/>
+        </c:manualLayout>
+      </c:layout>
+      <c:barChart>
+        <c:barDir val="col"/>
+        <c:grouping val="clustered"/>
+        <c:varyColors val="0"/>
+        <c:ser>
+          <c:idx val="0"/>
+          <c:order val="0"/>
+          <c:tx>
+            <c:strRef>
+              <c:f>Sheet1!$B$1</c:f>
+              <c:strCache>
+                <c:ptCount val="1"/>
+                <c:pt idx="0">
+                  <c:v>Prawdopodobieństwo</c:v>
+                </c:pt>
+              </c:strCache>
+            </c:strRef>
+          </c:tx>
+          <c:invertIfNegative val="0"/>
+          <c:cat>
+            <c:strRef>
+              <c:f>Sheet1!$A$2:$A$5</c:f>
+              <c:strCache>
+                <c:ptCount val="4"/>
+                <c:pt idx="0">
+                  <c:v>a</c:v>
+                </c:pt>
+                <c:pt idx="1">
+                  <c:v>ą</c:v>
+                </c:pt>
+                <c:pt idx="2">
+                  <c:v>i</c:v>
+                </c:pt>
+                <c:pt idx="3">
+                  <c:v>y</c:v>
+                </c:pt>
+              </c:strCache>
+            </c:strRef>
+          </c:cat>
+          <c:val>
+            <c:numRef>
+              <c:f>Sheet1!$B$2:$B$5</c:f>
+              <c:numCache>
+                <c:formatCode>General</c:formatCode>
+                <c:ptCount val="4"/>
+                <c:pt idx="0">
+                  <c:v>0.87999462674796602</c:v>
+                </c:pt>
+                <c:pt idx="1">
+                  <c:v>8.0245122991634815E-4</c:v>
+                </c:pt>
+                <c:pt idx="2">
+                  <c:v>1.0859996448429718E-4</c:v>
+                </c:pt>
+                <c:pt idx="3">
+                  <c:v>0.11909432205763325</c:v>
+                </c:pt>
+              </c:numCache>
+            </c:numRef>
+          </c:val>
+        </c:ser>
+        <c:dLbls>
+          <c:showLegendKey val="0"/>
+          <c:showVal val="0"/>
+          <c:showCatName val="0"/>
+          <c:showSerName val="0"/>
+          <c:showPercent val="0"/>
+          <c:showBubbleSize val="0"/>
+        </c:dLbls>
+        <c:gapWidth val="150"/>
+        <c:axId val="162438144"/>
+        <c:axId val="162563200"/>
+      </c:barChart>
+      <c:catAx>
+        <c:axId val="162438144"/>
+        <c:scaling>
+          <c:orientation val="minMax"/>
+        </c:scaling>
+        <c:delete val="0"/>
+        <c:axPos val="b"/>
+        <c:majorTickMark val="out"/>
+        <c:minorTickMark val="none"/>
+        <c:tickLblPos val="nextTo"/>
+        <c:crossAx val="162563200"/>
+        <c:crosses val="autoZero"/>
+        <c:auto val="1"/>
+        <c:lblAlgn val="ctr"/>
+        <c:lblOffset val="100"/>
+        <c:noMultiLvlLbl val="0"/>
+      </c:catAx>
+      <c:valAx>
+        <c:axId val="162563200"/>
+        <c:scaling>
+          <c:orientation val="minMax"/>
+        </c:scaling>
+        <c:delete val="0"/>
+        <c:axPos val="l"/>
+        <c:majorGridlines/>
+        <c:numFmt formatCode="General" sourceLinked="1"/>
+        <c:majorTickMark val="out"/>
+        <c:minorTickMark val="none"/>
+        <c:tickLblPos val="nextTo"/>
+        <c:crossAx val="162438144"/>
+        <c:crosses val="autoZero"/>
+        <c:crossBetween val="between"/>
+      </c:valAx>
+    </c:plotArea>
+    <c:plotVisOnly val="1"/>
+    <c:dispBlanksAs val="gap"/>
+    <c:showDLblsOverMax val="0"/>
+  </c:chart>
+  <c:txPr>
+    <a:bodyPr/>
+    <a:lstStyle/>
+    <a:p>
+      <a:pPr>
+        <a:defRPr sz="1800"/>
+      </a:pPr>
+      <a:endParaRPr lang="en-US"/>
+    </a:p>
+  </c:txPr>
+  <c:externalData r:id="rId1">
+    <c:autoUpdate val="0"/>
+  </c:externalData>
+</c:chartSpace>
+</file>
+
 <file path=ppt/notesMasters/notesMaster1.xml><?xml version="1.0" encoding="utf-8"?>
 <p:notesMaster xmlns:a="http://schemas.openxmlformats.org/drawingml/2006/main" xmlns:r="http://schemas.openxmlformats.org/officeDocument/2006/relationships" xmlns:p="http://schemas.openxmlformats.org/presentationml/2006/main">
   <p:cSld>
@@ -223,7 +951,7 @@
           <a:p>
             <a:fld id="{B735FCD8-E02B-4A06-AA29-51CD5A91FAEE}" type="datetimeFigureOut">
               <a:rPr lang="en-US" smtClean="0"/>
-              <a:t>4/20/2018</a:t>
+              <a:t>4/23/2018</a:t>
             </a:fld>
             <a:endParaRPr lang="en-US"/>
           </a:p>
@@ -2016,7 +2744,7 @@
           <a:p>
             <a:fld id="{C90C20DF-39C7-4672-8351-10EA5B9E5E4C}" type="datetimeFigureOut">
               <a:rPr lang="en-US" smtClean="0"/>
-              <a:t>4/20/2018</a:t>
+              <a:t>4/23/2018</a:t>
             </a:fld>
             <a:endParaRPr lang="en-US"/>
           </a:p>
@@ -2186,7 +2914,7 @@
           <a:p>
             <a:fld id="{C90C20DF-39C7-4672-8351-10EA5B9E5E4C}" type="datetimeFigureOut">
               <a:rPr lang="en-US" smtClean="0"/>
-              <a:t>4/20/2018</a:t>
+              <a:t>4/23/2018</a:t>
             </a:fld>
             <a:endParaRPr lang="en-US"/>
           </a:p>
@@ -2366,7 +3094,7 @@
           <a:p>
             <a:fld id="{C90C20DF-39C7-4672-8351-10EA5B9E5E4C}" type="datetimeFigureOut">
               <a:rPr lang="en-US" smtClean="0"/>
-              <a:t>4/20/2018</a:t>
+              <a:t>4/23/2018</a:t>
             </a:fld>
             <a:endParaRPr lang="en-US"/>
           </a:p>
@@ -2536,7 +3264,7 @@
           <a:p>
             <a:fld id="{C90C20DF-39C7-4672-8351-10EA5B9E5E4C}" type="datetimeFigureOut">
               <a:rPr lang="en-US" smtClean="0"/>
-              <a:t>4/20/2018</a:t>
+              <a:t>4/23/2018</a:t>
             </a:fld>
             <a:endParaRPr lang="en-US"/>
           </a:p>
@@ -2782,7 +3510,7 @@
           <a:p>
             <a:fld id="{C90C20DF-39C7-4672-8351-10EA5B9E5E4C}" type="datetimeFigureOut">
               <a:rPr lang="en-US" smtClean="0"/>
-              <a:t>4/20/2018</a:t>
+              <a:t>4/23/2018</a:t>
             </a:fld>
             <a:endParaRPr lang="en-US"/>
           </a:p>
@@ -3070,7 +3798,7 @@
           <a:p>
             <a:fld id="{C90C20DF-39C7-4672-8351-10EA5B9E5E4C}" type="datetimeFigureOut">
               <a:rPr lang="en-US" smtClean="0"/>
-              <a:t>4/20/2018</a:t>
+              <a:t>4/23/2018</a:t>
             </a:fld>
             <a:endParaRPr lang="en-US"/>
           </a:p>
@@ -3492,7 +4220,7 @@
           <a:p>
             <a:fld id="{C90C20DF-39C7-4672-8351-10EA5B9E5E4C}" type="datetimeFigureOut">
               <a:rPr lang="en-US" smtClean="0"/>
-              <a:t>4/20/2018</a:t>
+              <a:t>4/23/2018</a:t>
             </a:fld>
             <a:endParaRPr lang="en-US"/>
           </a:p>
@@ -3610,7 +4338,7 @@
           <a:p>
             <a:fld id="{C90C20DF-39C7-4672-8351-10EA5B9E5E4C}" type="datetimeFigureOut">
               <a:rPr lang="en-US" smtClean="0"/>
-              <a:t>4/20/2018</a:t>
+              <a:t>4/23/2018</a:t>
             </a:fld>
             <a:endParaRPr lang="en-US"/>
           </a:p>
@@ -3705,7 +4433,7 @@
           <a:p>
             <a:fld id="{C90C20DF-39C7-4672-8351-10EA5B9E5E4C}" type="datetimeFigureOut">
               <a:rPr lang="en-US" smtClean="0"/>
-              <a:t>4/20/2018</a:t>
+              <a:t>4/23/2018</a:t>
             </a:fld>
             <a:endParaRPr lang="en-US"/>
           </a:p>
@@ -3982,7 +4710,7 @@
           <a:p>
             <a:fld id="{C90C20DF-39C7-4672-8351-10EA5B9E5E4C}" type="datetimeFigureOut">
               <a:rPr lang="en-US" smtClean="0"/>
-              <a:t>4/20/2018</a:t>
+              <a:t>4/23/2018</a:t>
             </a:fld>
             <a:endParaRPr lang="en-US"/>
           </a:p>
@@ -4235,7 +4963,7 @@
           <a:p>
             <a:fld id="{C90C20DF-39C7-4672-8351-10EA5B9E5E4C}" type="datetimeFigureOut">
               <a:rPr lang="en-US" smtClean="0"/>
-              <a:t>4/20/2018</a:t>
+              <a:t>4/23/2018</a:t>
             </a:fld>
             <a:endParaRPr lang="en-US"/>
           </a:p>
@@ -4448,7 +5176,7 @@
           <a:p>
             <a:fld id="{C90C20DF-39C7-4672-8351-10EA5B9E5E4C}" type="datetimeFigureOut">
               <a:rPr lang="en-US" smtClean="0"/>
-              <a:t>4/20/2018</a:t>
+              <a:t>4/23/2018</a:t>
             </a:fld>
             <a:endParaRPr lang="en-US"/>
           </a:p>
@@ -15907,11 +16635,7 @@
           <a:p>
             <a:r>
               <a:rPr lang="pl-PL" smtClean="0"/>
-              <a:t>Sieci </a:t>
-            </a:r>
-            <a:r>
-              <a:rPr lang="pl-PL" smtClean="0"/>
-              <a:t>neuronowe – wstęp</a:t>
+              <a:t>Sieci neuronowe – wstęp</a:t>
             </a:r>
           </a:p>
           <a:p>
@@ -15923,11 +16647,6 @@
               </a:rPr>
               <a:t>Część praktyczna: MNIST / Keras</a:t>
             </a:r>
-            <a:endParaRPr lang="pl-PL" smtClean="0">
-              <a:solidFill>
-                <a:srgbClr val="7030A0"/>
-              </a:solidFill>
-            </a:endParaRPr>
           </a:p>
           <a:p>
             <a:r>
@@ -15938,11 +16657,7 @@
           <a:p>
             <a:r>
               <a:rPr lang="pl-PL" smtClean="0"/>
-              <a:t>Zastosowania </a:t>
-            </a:r>
-            <a:r>
-              <a:rPr lang="pl-PL" smtClean="0"/>
-              <a:t>sieci w NLP</a:t>
+              <a:t>Zastosowania sieci w NLP</a:t>
             </a:r>
           </a:p>
           <a:p>
@@ -15958,15 +16673,7 @@
                   <a:srgbClr val="7030A0"/>
                 </a:solidFill>
               </a:rPr>
-              <a:t>Część </a:t>
-            </a:r>
-            <a:r>
-              <a:rPr lang="pl-PL" smtClean="0">
-                <a:solidFill>
-                  <a:srgbClr val="7030A0"/>
-                </a:solidFill>
-              </a:rPr>
-              <a:t>praktyczna: modele języka</a:t>
+              <a:t>Część praktyczna: modele języka</a:t>
             </a:r>
             <a:endParaRPr lang="en-US">
               <a:solidFill>
@@ -17232,7 +17939,7 @@
 </file>
 
 <file path=ppt/slides/slide21.xml><?xml version="1.0" encoding="utf-8"?>
-<p:sld xmlns:a="http://schemas.openxmlformats.org/drawingml/2006/main" xmlns:r="http://schemas.openxmlformats.org/officeDocument/2006/relationships" xmlns:p="http://schemas.openxmlformats.org/presentationml/2006/main">
+<p:sld xmlns:a="http://schemas.openxmlformats.org/drawingml/2006/main" xmlns:r="http://schemas.openxmlformats.org/officeDocument/2006/relationships" xmlns:p="http://schemas.openxmlformats.org/presentationml/2006/main" show="0">
   <p:cSld>
     <p:spTree>
       <p:nvGrpSpPr>
@@ -18316,6 +19023,14 @@
   <p:clrMapOvr>
     <a:masterClrMapping/>
   </p:clrMapOvr>
+  <mc:AlternateContent xmlns:mc="http://schemas.openxmlformats.org/markup-compatibility/2006">
+    <mc:Choice xmlns:p14="http://schemas.microsoft.com/office/powerpoint/2010/main" Requires="p14">
+      <p:transition spd="slow" p14:dur="2000"/>
+    </mc:Choice>
+    <mc:Fallback>
+      <p:transition spd="slow"/>
+    </mc:Fallback>
+  </mc:AlternateContent>
   <p:timing>
     <p:tnLst>
       <p:par>
@@ -18327,7 +19042,7 @@
 </file>
 
 <file path=ppt/slides/slide22.xml><?xml version="1.0" encoding="utf-8"?>
-<p:sld xmlns:a="http://schemas.openxmlformats.org/drawingml/2006/main" xmlns:r="http://schemas.openxmlformats.org/officeDocument/2006/relationships" xmlns:p="http://schemas.openxmlformats.org/presentationml/2006/main">
+<p:sld xmlns:a="http://schemas.openxmlformats.org/drawingml/2006/main" xmlns:r="http://schemas.openxmlformats.org/officeDocument/2006/relationships" xmlns:p="http://schemas.openxmlformats.org/presentationml/2006/main" show="0">
   <p:cSld>
     <p:spTree>
       <p:nvGrpSpPr>
@@ -18724,6 +19439,14 @@
   <p:clrMapOvr>
     <a:masterClrMapping/>
   </p:clrMapOvr>
+  <mc:AlternateContent xmlns:mc="http://schemas.openxmlformats.org/markup-compatibility/2006">
+    <mc:Choice xmlns:p14="http://schemas.microsoft.com/office/powerpoint/2010/main" Requires="p14">
+      <p:transition spd="slow" p14:dur="2000"/>
+    </mc:Choice>
+    <mc:Fallback>
+      <p:transition spd="slow"/>
+    </mc:Fallback>
+  </mc:AlternateContent>
   <p:timing>
     <p:tnLst>
       <p:par>
@@ -24466,8 +25189,8 @@
         </p:blipFill>
         <p:spPr bwMode="auto">
           <a:xfrm>
-            <a:off x="1043608" y="1182351"/>
-            <a:ext cx="3296470" cy="4061251"/>
+            <a:off x="381696" y="1182350"/>
+            <a:ext cx="3950494" cy="4055840"/>
           </a:xfrm>
           <a:prstGeom prst="rect">
             <a:avLst/>
@@ -24520,8 +25243,8 @@
         </p:blipFill>
         <p:spPr bwMode="auto">
           <a:xfrm>
-            <a:off x="4716017" y="750302"/>
-            <a:ext cx="3857625" cy="5166360"/>
+            <a:off x="4341731" y="750302"/>
+            <a:ext cx="4629150" cy="5166360"/>
           </a:xfrm>
           <a:prstGeom prst="rect">
             <a:avLst/>
@@ -24646,15 +25369,14 @@
               </a:ext>
             </a:extLst>
           </a:blip>
-          <a:srcRect/>
           <a:stretch>
             <a:fillRect/>
           </a:stretch>
         </p:blipFill>
         <p:spPr bwMode="auto">
           <a:xfrm>
-            <a:off x="1691680" y="836712"/>
-            <a:ext cx="6057900" cy="4457700"/>
+            <a:off x="863588" y="620688"/>
+            <a:ext cx="7416824" cy="4548052"/>
           </a:xfrm>
           <a:prstGeom prst="rect">
             <a:avLst/>
@@ -24739,6 +25461,1264 @@
 </file>
 
 <file path=ppt/slides/slide32.xml><?xml version="1.0" encoding="utf-8"?>
+<p:sld xmlns:a="http://schemas.openxmlformats.org/drawingml/2006/main" xmlns:r="http://schemas.openxmlformats.org/officeDocument/2006/relationships" xmlns:p="http://schemas.openxmlformats.org/presentationml/2006/main">
+  <p:cSld>
+    <p:spTree>
+      <p:nvGrpSpPr>
+        <p:cNvPr id="1" name=""/>
+        <p:cNvGrpSpPr/>
+        <p:nvPr/>
+      </p:nvGrpSpPr>
+      <p:grpSpPr>
+        <a:xfrm>
+          <a:off x="0" y="0"/>
+          <a:ext cx="0" cy="0"/>
+          <a:chOff x="0" y="0"/>
+          <a:chExt cx="0" cy="0"/>
+        </a:xfrm>
+      </p:grpSpPr>
+      <p:sp>
+        <p:nvSpPr>
+          <p:cNvPr id="2" name="Title 1"/>
+          <p:cNvSpPr>
+            <a:spLocks noGrp="1"/>
+          </p:cNvSpPr>
+          <p:nvPr>
+            <p:ph type="title"/>
+          </p:nvPr>
+        </p:nvSpPr>
+        <p:spPr/>
+        <p:txBody>
+          <a:bodyPr/>
+          <a:lstStyle/>
+          <a:p>
+            <a:r>
+              <a:rPr lang="pl-PL" smtClean="0"/>
+              <a:t>Kodowanie wejścia do sieci</a:t>
+            </a:r>
+            <a:endParaRPr lang="en-US"/>
+          </a:p>
+        </p:txBody>
+      </p:sp>
+      <p:sp>
+        <p:nvSpPr>
+          <p:cNvPr id="3" name="Content Placeholder 2"/>
+          <p:cNvSpPr>
+            <a:spLocks noGrp="1"/>
+          </p:cNvSpPr>
+          <p:nvPr>
+            <p:ph idx="1"/>
+          </p:nvPr>
+        </p:nvSpPr>
+        <p:spPr/>
+        <p:txBody>
+          <a:bodyPr>
+            <a:normAutofit/>
+          </a:bodyPr>
+          <a:lstStyle/>
+          <a:p>
+            <a:r>
+              <a:rPr lang="pl-PL" smtClean="0"/>
+              <a:t>znaki – one-hot:</a:t>
+            </a:r>
+          </a:p>
+          <a:p>
+            <a:pPr marL="0" indent="0">
+              <a:buNone/>
+            </a:pPr>
+            <a:r>
+              <a:rPr lang="pl-PL"/>
+              <a:t>	</a:t>
+            </a:r>
+            <a:r>
+              <a:rPr lang="pl-PL" smtClean="0"/>
+              <a:t>{a, b, c, d, … , z, ` `}	</a:t>
+            </a:r>
+            <a:r>
+              <a:rPr lang="pl-PL" i="1" smtClean="0"/>
+              <a:t>n </a:t>
+            </a:r>
+            <a:r>
+              <a:rPr lang="pl-PL" smtClean="0"/>
+              <a:t>różnych znaków</a:t>
+            </a:r>
+            <a:br>
+              <a:rPr lang="pl-PL" smtClean="0"/>
+            </a:br>
+            <a:r>
+              <a:rPr lang="pl-PL" smtClean="0"/>
+              <a:t>	a → 	[1, 0, 0, … 0]   	długość = </a:t>
+            </a:r>
+            <a:r>
+              <a:rPr lang="pl-PL" i="1" smtClean="0"/>
+              <a:t>n</a:t>
+            </a:r>
+            <a:r>
+              <a:rPr lang="pl-PL" smtClean="0"/>
+              <a:t/>
+            </a:r>
+            <a:br>
+              <a:rPr lang="pl-PL" smtClean="0"/>
+            </a:br>
+            <a:r>
+              <a:rPr lang="pl-PL" smtClean="0"/>
+              <a:t>	b → 	[0, 1, 0, … 0]</a:t>
+            </a:r>
+            <a:br>
+              <a:rPr lang="pl-PL" smtClean="0"/>
+            </a:br>
+            <a:r>
+              <a:rPr lang="pl-PL" smtClean="0"/>
+              <a:t>	z → 	[ 0, 0, …, 1, 0]</a:t>
+            </a:r>
+          </a:p>
+          <a:p>
+            <a:pPr marL="0" indent="0">
+              <a:buNone/>
+            </a:pPr>
+            <a:r>
+              <a:rPr lang="pl-PL"/>
+              <a:t>	</a:t>
+            </a:r>
+            <a:r>
+              <a:rPr lang="pl-PL" smtClean="0"/>
+              <a:t>` ` → 	[0, 0, …, 0, 1]</a:t>
+            </a:r>
+          </a:p>
+          <a:p>
+            <a:r>
+              <a:rPr lang="pl-PL" smtClean="0"/>
+              <a:t>fragment tekstu: macierz o wymiarach </a:t>
+            </a:r>
+            <a:br>
+              <a:rPr lang="pl-PL" smtClean="0"/>
+            </a:br>
+            <a:r>
+              <a:rPr lang="pl-PL" smtClean="0"/>
+              <a:t>długość tekstu x </a:t>
+            </a:r>
+            <a:r>
+              <a:rPr lang="pl-PL" i="1" smtClean="0"/>
+              <a:t>n</a:t>
+            </a:r>
+          </a:p>
+        </p:txBody>
+      </p:sp>
+    </p:spTree>
+    <p:extLst>
+      <p:ext uri="{BB962C8B-B14F-4D97-AF65-F5344CB8AC3E}">
+        <p14:creationId xmlns:p14="http://schemas.microsoft.com/office/powerpoint/2010/main" val="135058062"/>
+      </p:ext>
+    </p:extLst>
+  </p:cSld>
+  <p:clrMapOvr>
+    <a:masterClrMapping/>
+  </p:clrMapOvr>
+</p:sld>
+</file>
+
+<file path=ppt/slides/slide33.xml><?xml version="1.0" encoding="utf-8"?>
+<p:sld xmlns:a="http://schemas.openxmlformats.org/drawingml/2006/main" xmlns:r="http://schemas.openxmlformats.org/officeDocument/2006/relationships" xmlns:p="http://schemas.openxmlformats.org/presentationml/2006/main">
+  <p:cSld>
+    <p:spTree>
+      <p:nvGrpSpPr>
+        <p:cNvPr id="1" name=""/>
+        <p:cNvGrpSpPr/>
+        <p:nvPr/>
+      </p:nvGrpSpPr>
+      <p:grpSpPr>
+        <a:xfrm>
+          <a:off x="0" y="0"/>
+          <a:ext cx="0" cy="0"/>
+          <a:chOff x="0" y="0"/>
+          <a:chExt cx="0" cy="0"/>
+        </a:xfrm>
+      </p:grpSpPr>
+      <p:sp>
+        <p:nvSpPr>
+          <p:cNvPr id="2" name="Title 1"/>
+          <p:cNvSpPr>
+            <a:spLocks noGrp="1"/>
+          </p:cNvSpPr>
+          <p:nvPr>
+            <p:ph type="title"/>
+          </p:nvPr>
+        </p:nvSpPr>
+        <p:spPr/>
+        <p:txBody>
+          <a:bodyPr/>
+          <a:lstStyle/>
+          <a:p>
+            <a:r>
+              <a:rPr lang="pl-PL" smtClean="0"/>
+              <a:t>Dekodowanie</a:t>
+            </a:r>
+            <a:endParaRPr lang="en-US"/>
+          </a:p>
+        </p:txBody>
+      </p:sp>
+      <p:sp>
+        <p:nvSpPr>
+          <p:cNvPr id="3" name="Content Placeholder 2"/>
+          <p:cNvSpPr>
+            <a:spLocks noGrp="1"/>
+          </p:cNvSpPr>
+          <p:nvPr>
+            <p:ph idx="1"/>
+          </p:nvPr>
+        </p:nvSpPr>
+        <p:spPr/>
+        <p:txBody>
+          <a:bodyPr>
+            <a:normAutofit/>
+          </a:bodyPr>
+          <a:lstStyle/>
+          <a:p>
+            <a:r>
+              <a:rPr lang="pl-PL" smtClean="0"/>
+              <a:t>= generowanie tekstu z modelu</a:t>
+            </a:r>
+          </a:p>
+          <a:p>
+            <a:r>
+              <a:rPr lang="pl-PL" smtClean="0"/>
+              <a:t>„zachłanne” (</a:t>
+            </a:r>
+            <a:r>
+              <a:rPr lang="pl-PL" i="1" smtClean="0"/>
+              <a:t>greedy</a:t>
+            </a:r>
+            <a:r>
+              <a:rPr lang="pl-PL" smtClean="0"/>
+              <a:t>) – zawsze wybieramy znak o największym prawdopodobieństwie, deterministyczne</a:t>
+            </a:r>
+          </a:p>
+        </p:txBody>
+      </p:sp>
+      <p:grpSp>
+        <p:nvGrpSpPr>
+          <p:cNvPr id="34" name="Group 33"/>
+          <p:cNvGrpSpPr/>
+          <p:nvPr/>
+        </p:nvGrpSpPr>
+        <p:grpSpPr>
+          <a:xfrm>
+            <a:off x="899592" y="3716980"/>
+            <a:ext cx="7296472" cy="2922912"/>
+            <a:chOff x="899592" y="2924944"/>
+            <a:chExt cx="7296472" cy="2922912"/>
+          </a:xfrm>
+        </p:grpSpPr>
+        <p:grpSp>
+          <p:nvGrpSpPr>
+            <p:cNvPr id="31" name="Group 30"/>
+            <p:cNvGrpSpPr/>
+            <p:nvPr/>
+          </p:nvGrpSpPr>
+          <p:grpSpPr>
+            <a:xfrm>
+              <a:off x="899592" y="3336233"/>
+              <a:ext cx="3157365" cy="2511623"/>
+              <a:chOff x="2123728" y="3081536"/>
+              <a:chExt cx="3157365" cy="2511623"/>
+            </a:xfrm>
+          </p:grpSpPr>
+          <p:sp>
+            <p:nvSpPr>
+              <p:cNvPr id="5" name="TextBox 4"/>
+              <p:cNvSpPr txBox="1"/>
+              <p:nvPr/>
+            </p:nvSpPr>
+            <p:spPr>
+              <a:xfrm>
+                <a:off x="2204094" y="5223827"/>
+                <a:ext cx="293670" cy="369332"/>
+              </a:xfrm>
+              <a:prstGeom prst="rect">
+                <a:avLst/>
+              </a:prstGeom>
+              <a:noFill/>
+            </p:spPr>
+            <p:txBody>
+              <a:bodyPr wrap="none" rtlCol="0">
+                <a:spAutoFit/>
+              </a:bodyPr>
+              <a:lstStyle/>
+              <a:p>
+                <a:r>
+                  <a:rPr lang="pl-PL" smtClean="0"/>
+                  <a:t>g</a:t>
+                </a:r>
+                <a:endParaRPr lang="en-US"/>
+              </a:p>
+            </p:txBody>
+          </p:sp>
+          <p:grpSp>
+            <p:nvGrpSpPr>
+              <p:cNvPr id="6" name="Group 5"/>
+              <p:cNvGrpSpPr/>
+              <p:nvPr/>
+            </p:nvGrpSpPr>
+            <p:grpSpPr>
+              <a:xfrm>
+                <a:off x="2123728" y="3645024"/>
+                <a:ext cx="2579158" cy="1549318"/>
+                <a:chOff x="1122181" y="2857203"/>
+                <a:chExt cx="2579158" cy="1549318"/>
+              </a:xfrm>
+            </p:grpSpPr>
+            <p:grpSp>
+              <p:nvGrpSpPr>
+                <p:cNvPr id="10" name="Group 9"/>
+                <p:cNvGrpSpPr/>
+                <p:nvPr/>
+              </p:nvGrpSpPr>
+              <p:grpSpPr>
+                <a:xfrm>
+                  <a:off x="1122181" y="2857203"/>
+                  <a:ext cx="641507" cy="1549318"/>
+                  <a:chOff x="1122181" y="2780928"/>
+                  <a:chExt cx="641507" cy="1549318"/>
+                </a:xfrm>
+              </p:grpSpPr>
+              <p:sp>
+                <p:nvSpPr>
+                  <p:cNvPr id="26" name="Rectangle 25"/>
+                  <p:cNvSpPr/>
+                  <p:nvPr/>
+                </p:nvSpPr>
+                <p:spPr>
+                  <a:xfrm>
+                    <a:off x="1122181" y="3123539"/>
+                    <a:ext cx="468052" cy="864096"/>
+                  </a:xfrm>
+                  <a:prstGeom prst="rect">
+                    <a:avLst/>
+                  </a:prstGeom>
+                </p:spPr>
+                <p:style>
+                  <a:lnRef idx="2">
+                    <a:schemeClr val="dk1"/>
+                  </a:lnRef>
+                  <a:fillRef idx="1">
+                    <a:schemeClr val="lt1"/>
+                  </a:fillRef>
+                  <a:effectRef idx="0">
+                    <a:schemeClr val="dk1"/>
+                  </a:effectRef>
+                  <a:fontRef idx="minor">
+                    <a:schemeClr val="dk1"/>
+                  </a:fontRef>
+                </p:style>
+                <p:txBody>
+                  <a:bodyPr rtlCol="0" anchor="ctr"/>
+                  <a:lstStyle/>
+                  <a:p>
+                    <a:pPr algn="ctr"/>
+                    <a:endParaRPr lang="en-US"/>
+                  </a:p>
+                </p:txBody>
+              </p:sp>
+              <p:cxnSp>
+                <p:nvCxnSpPr>
+                  <p:cNvPr id="27" name="Straight Arrow Connector 26"/>
+                  <p:cNvCxnSpPr>
+                    <a:stCxn id="26" idx="0"/>
+                  </p:cNvCxnSpPr>
+                  <p:nvPr/>
+                </p:nvCxnSpPr>
+                <p:spPr>
+                  <a:xfrm flipV="1">
+                    <a:off x="1356207" y="2780928"/>
+                    <a:ext cx="0" cy="342611"/>
+                  </a:xfrm>
+                  <a:prstGeom prst="straightConnector1">
+                    <a:avLst/>
+                  </a:prstGeom>
+                  <a:ln>
+                    <a:tailEnd type="arrow"/>
+                  </a:ln>
+                </p:spPr>
+                <p:style>
+                  <a:lnRef idx="2">
+                    <a:schemeClr val="dk1"/>
+                  </a:lnRef>
+                  <a:fillRef idx="0">
+                    <a:schemeClr val="dk1"/>
+                  </a:fillRef>
+                  <a:effectRef idx="1">
+                    <a:schemeClr val="dk1"/>
+                  </a:effectRef>
+                  <a:fontRef idx="minor">
+                    <a:schemeClr val="tx1"/>
+                  </a:fontRef>
+                </p:style>
+              </p:cxnSp>
+              <p:cxnSp>
+                <p:nvCxnSpPr>
+                  <p:cNvPr id="28" name="Straight Arrow Connector 27"/>
+                  <p:cNvCxnSpPr/>
+                  <p:nvPr/>
+                </p:nvCxnSpPr>
+                <p:spPr>
+                  <a:xfrm flipV="1">
+                    <a:off x="1366214" y="3987635"/>
+                    <a:ext cx="0" cy="342611"/>
+                  </a:xfrm>
+                  <a:prstGeom prst="straightConnector1">
+                    <a:avLst/>
+                  </a:prstGeom>
+                  <a:ln>
+                    <a:tailEnd type="arrow"/>
+                  </a:ln>
+                </p:spPr>
+                <p:style>
+                  <a:lnRef idx="2">
+                    <a:schemeClr val="dk1"/>
+                  </a:lnRef>
+                  <a:fillRef idx="0">
+                    <a:schemeClr val="dk1"/>
+                  </a:fillRef>
+                  <a:effectRef idx="1">
+                    <a:schemeClr val="dk1"/>
+                  </a:effectRef>
+                  <a:fontRef idx="minor">
+                    <a:schemeClr val="tx1"/>
+                  </a:fontRef>
+                </p:style>
+              </p:cxnSp>
+              <p:cxnSp>
+                <p:nvCxnSpPr>
+                  <p:cNvPr id="29" name="Straight Arrow Connector 28"/>
+                  <p:cNvCxnSpPr>
+                    <a:stCxn id="26" idx="3"/>
+                  </p:cNvCxnSpPr>
+                  <p:nvPr/>
+                </p:nvCxnSpPr>
+                <p:spPr>
+                  <a:xfrm>
+                    <a:off x="1590233" y="3555587"/>
+                    <a:ext cx="173455" cy="0"/>
+                  </a:xfrm>
+                  <a:prstGeom prst="straightConnector1">
+                    <a:avLst/>
+                  </a:prstGeom>
+                  <a:ln>
+                    <a:tailEnd type="arrow"/>
+                  </a:ln>
+                </p:spPr>
+                <p:style>
+                  <a:lnRef idx="2">
+                    <a:schemeClr val="dk1"/>
+                  </a:lnRef>
+                  <a:fillRef idx="0">
+                    <a:schemeClr val="dk1"/>
+                  </a:fillRef>
+                  <a:effectRef idx="1">
+                    <a:schemeClr val="dk1"/>
+                  </a:effectRef>
+                  <a:fontRef idx="minor">
+                    <a:schemeClr val="tx1"/>
+                  </a:fontRef>
+                </p:style>
+              </p:cxnSp>
+            </p:grpSp>
+            <p:grpSp>
+              <p:nvGrpSpPr>
+                <p:cNvPr id="11" name="Group 10"/>
+                <p:cNvGrpSpPr/>
+                <p:nvPr/>
+              </p:nvGrpSpPr>
+              <p:grpSpPr>
+                <a:xfrm>
+                  <a:off x="1768065" y="2857203"/>
+                  <a:ext cx="641507" cy="1549318"/>
+                  <a:chOff x="1122181" y="2780928"/>
+                  <a:chExt cx="641507" cy="1549318"/>
+                </a:xfrm>
+              </p:grpSpPr>
+              <p:sp>
+                <p:nvSpPr>
+                  <p:cNvPr id="22" name="Rectangle 21"/>
+                  <p:cNvSpPr/>
+                  <p:nvPr/>
+                </p:nvSpPr>
+                <p:spPr>
+                  <a:xfrm>
+                    <a:off x="1122181" y="3123539"/>
+                    <a:ext cx="468052" cy="864096"/>
+                  </a:xfrm>
+                  <a:prstGeom prst="rect">
+                    <a:avLst/>
+                  </a:prstGeom>
+                </p:spPr>
+                <p:style>
+                  <a:lnRef idx="2">
+                    <a:schemeClr val="dk1"/>
+                  </a:lnRef>
+                  <a:fillRef idx="1">
+                    <a:schemeClr val="lt1"/>
+                  </a:fillRef>
+                  <a:effectRef idx="0">
+                    <a:schemeClr val="dk1"/>
+                  </a:effectRef>
+                  <a:fontRef idx="minor">
+                    <a:schemeClr val="dk1"/>
+                  </a:fontRef>
+                </p:style>
+                <p:txBody>
+                  <a:bodyPr rtlCol="0" anchor="ctr"/>
+                  <a:lstStyle/>
+                  <a:p>
+                    <a:pPr algn="ctr"/>
+                    <a:endParaRPr lang="en-US"/>
+                  </a:p>
+                </p:txBody>
+              </p:sp>
+              <p:cxnSp>
+                <p:nvCxnSpPr>
+                  <p:cNvPr id="23" name="Straight Arrow Connector 22"/>
+                  <p:cNvCxnSpPr>
+                    <a:stCxn id="22" idx="0"/>
+                  </p:cNvCxnSpPr>
+                  <p:nvPr/>
+                </p:nvCxnSpPr>
+                <p:spPr>
+                  <a:xfrm flipV="1">
+                    <a:off x="1356207" y="2780928"/>
+                    <a:ext cx="0" cy="342611"/>
+                  </a:xfrm>
+                  <a:prstGeom prst="straightConnector1">
+                    <a:avLst/>
+                  </a:prstGeom>
+                  <a:ln>
+                    <a:tailEnd type="arrow"/>
+                  </a:ln>
+                </p:spPr>
+                <p:style>
+                  <a:lnRef idx="2">
+                    <a:schemeClr val="dk1"/>
+                  </a:lnRef>
+                  <a:fillRef idx="0">
+                    <a:schemeClr val="dk1"/>
+                  </a:fillRef>
+                  <a:effectRef idx="1">
+                    <a:schemeClr val="dk1"/>
+                  </a:effectRef>
+                  <a:fontRef idx="minor">
+                    <a:schemeClr val="tx1"/>
+                  </a:fontRef>
+                </p:style>
+              </p:cxnSp>
+              <p:cxnSp>
+                <p:nvCxnSpPr>
+                  <p:cNvPr id="24" name="Straight Arrow Connector 23"/>
+                  <p:cNvCxnSpPr/>
+                  <p:nvPr/>
+                </p:nvCxnSpPr>
+                <p:spPr>
+                  <a:xfrm flipV="1">
+                    <a:off x="1366214" y="3987635"/>
+                    <a:ext cx="0" cy="342611"/>
+                  </a:xfrm>
+                  <a:prstGeom prst="straightConnector1">
+                    <a:avLst/>
+                  </a:prstGeom>
+                  <a:ln>
+                    <a:tailEnd type="arrow"/>
+                  </a:ln>
+                </p:spPr>
+                <p:style>
+                  <a:lnRef idx="2">
+                    <a:schemeClr val="dk1"/>
+                  </a:lnRef>
+                  <a:fillRef idx="0">
+                    <a:schemeClr val="dk1"/>
+                  </a:fillRef>
+                  <a:effectRef idx="1">
+                    <a:schemeClr val="dk1"/>
+                  </a:effectRef>
+                  <a:fontRef idx="minor">
+                    <a:schemeClr val="tx1"/>
+                  </a:fontRef>
+                </p:style>
+              </p:cxnSp>
+              <p:cxnSp>
+                <p:nvCxnSpPr>
+                  <p:cNvPr id="25" name="Straight Arrow Connector 24"/>
+                  <p:cNvCxnSpPr>
+                    <a:stCxn id="22" idx="3"/>
+                  </p:cNvCxnSpPr>
+                  <p:nvPr/>
+                </p:nvCxnSpPr>
+                <p:spPr>
+                  <a:xfrm>
+                    <a:off x="1590233" y="3555587"/>
+                    <a:ext cx="173455" cy="0"/>
+                  </a:xfrm>
+                  <a:prstGeom prst="straightConnector1">
+                    <a:avLst/>
+                  </a:prstGeom>
+                  <a:ln>
+                    <a:tailEnd type="arrow"/>
+                  </a:ln>
+                </p:spPr>
+                <p:style>
+                  <a:lnRef idx="2">
+                    <a:schemeClr val="dk1"/>
+                  </a:lnRef>
+                  <a:fillRef idx="0">
+                    <a:schemeClr val="dk1"/>
+                  </a:fillRef>
+                  <a:effectRef idx="1">
+                    <a:schemeClr val="dk1"/>
+                  </a:effectRef>
+                  <a:fontRef idx="minor">
+                    <a:schemeClr val="tx1"/>
+                  </a:fontRef>
+                </p:style>
+              </p:cxnSp>
+            </p:grpSp>
+            <p:grpSp>
+              <p:nvGrpSpPr>
+                <p:cNvPr id="12" name="Group 11"/>
+                <p:cNvGrpSpPr/>
+                <p:nvPr/>
+              </p:nvGrpSpPr>
+              <p:grpSpPr>
+                <a:xfrm>
+                  <a:off x="2413949" y="2857203"/>
+                  <a:ext cx="641507" cy="1549318"/>
+                  <a:chOff x="1122181" y="2780928"/>
+                  <a:chExt cx="641507" cy="1549318"/>
+                </a:xfrm>
+              </p:grpSpPr>
+              <p:sp>
+                <p:nvSpPr>
+                  <p:cNvPr id="18" name="Rectangle 17"/>
+                  <p:cNvSpPr/>
+                  <p:nvPr/>
+                </p:nvSpPr>
+                <p:spPr>
+                  <a:xfrm>
+                    <a:off x="1122181" y="3123539"/>
+                    <a:ext cx="468052" cy="864096"/>
+                  </a:xfrm>
+                  <a:prstGeom prst="rect">
+                    <a:avLst/>
+                  </a:prstGeom>
+                </p:spPr>
+                <p:style>
+                  <a:lnRef idx="2">
+                    <a:schemeClr val="dk1"/>
+                  </a:lnRef>
+                  <a:fillRef idx="1">
+                    <a:schemeClr val="lt1"/>
+                  </a:fillRef>
+                  <a:effectRef idx="0">
+                    <a:schemeClr val="dk1"/>
+                  </a:effectRef>
+                  <a:fontRef idx="minor">
+                    <a:schemeClr val="dk1"/>
+                  </a:fontRef>
+                </p:style>
+                <p:txBody>
+                  <a:bodyPr rtlCol="0" anchor="ctr"/>
+                  <a:lstStyle/>
+                  <a:p>
+                    <a:pPr algn="ctr"/>
+                    <a:endParaRPr lang="en-US"/>
+                  </a:p>
+                </p:txBody>
+              </p:sp>
+              <p:cxnSp>
+                <p:nvCxnSpPr>
+                  <p:cNvPr id="19" name="Straight Arrow Connector 18"/>
+                  <p:cNvCxnSpPr>
+                    <a:stCxn id="18" idx="0"/>
+                  </p:cNvCxnSpPr>
+                  <p:nvPr/>
+                </p:nvCxnSpPr>
+                <p:spPr>
+                  <a:xfrm flipV="1">
+                    <a:off x="1356207" y="2780928"/>
+                    <a:ext cx="0" cy="342611"/>
+                  </a:xfrm>
+                  <a:prstGeom prst="straightConnector1">
+                    <a:avLst/>
+                  </a:prstGeom>
+                  <a:ln>
+                    <a:tailEnd type="arrow"/>
+                  </a:ln>
+                </p:spPr>
+                <p:style>
+                  <a:lnRef idx="2">
+                    <a:schemeClr val="dk1"/>
+                  </a:lnRef>
+                  <a:fillRef idx="0">
+                    <a:schemeClr val="dk1"/>
+                  </a:fillRef>
+                  <a:effectRef idx="1">
+                    <a:schemeClr val="dk1"/>
+                  </a:effectRef>
+                  <a:fontRef idx="minor">
+                    <a:schemeClr val="tx1"/>
+                  </a:fontRef>
+                </p:style>
+              </p:cxnSp>
+              <p:cxnSp>
+                <p:nvCxnSpPr>
+                  <p:cNvPr id="20" name="Straight Arrow Connector 19"/>
+                  <p:cNvCxnSpPr/>
+                  <p:nvPr/>
+                </p:nvCxnSpPr>
+                <p:spPr>
+                  <a:xfrm flipV="1">
+                    <a:off x="1366214" y="3987635"/>
+                    <a:ext cx="0" cy="342611"/>
+                  </a:xfrm>
+                  <a:prstGeom prst="straightConnector1">
+                    <a:avLst/>
+                  </a:prstGeom>
+                  <a:ln>
+                    <a:tailEnd type="arrow"/>
+                  </a:ln>
+                </p:spPr>
+                <p:style>
+                  <a:lnRef idx="2">
+                    <a:schemeClr val="dk1"/>
+                  </a:lnRef>
+                  <a:fillRef idx="0">
+                    <a:schemeClr val="dk1"/>
+                  </a:fillRef>
+                  <a:effectRef idx="1">
+                    <a:schemeClr val="dk1"/>
+                  </a:effectRef>
+                  <a:fontRef idx="minor">
+                    <a:schemeClr val="tx1"/>
+                  </a:fontRef>
+                </p:style>
+              </p:cxnSp>
+              <p:cxnSp>
+                <p:nvCxnSpPr>
+                  <p:cNvPr id="21" name="Straight Arrow Connector 20"/>
+                  <p:cNvCxnSpPr>
+                    <a:stCxn id="18" idx="3"/>
+                  </p:cNvCxnSpPr>
+                  <p:nvPr/>
+                </p:nvCxnSpPr>
+                <p:spPr>
+                  <a:xfrm>
+                    <a:off x="1590233" y="3555587"/>
+                    <a:ext cx="173455" cy="0"/>
+                  </a:xfrm>
+                  <a:prstGeom prst="straightConnector1">
+                    <a:avLst/>
+                  </a:prstGeom>
+                  <a:ln>
+                    <a:tailEnd type="arrow"/>
+                  </a:ln>
+                </p:spPr>
+                <p:style>
+                  <a:lnRef idx="2">
+                    <a:schemeClr val="dk1"/>
+                  </a:lnRef>
+                  <a:fillRef idx="0">
+                    <a:schemeClr val="dk1"/>
+                  </a:fillRef>
+                  <a:effectRef idx="1">
+                    <a:schemeClr val="dk1"/>
+                  </a:effectRef>
+                  <a:fontRef idx="minor">
+                    <a:schemeClr val="tx1"/>
+                  </a:fontRef>
+                </p:style>
+              </p:cxnSp>
+            </p:grpSp>
+            <p:grpSp>
+              <p:nvGrpSpPr>
+                <p:cNvPr id="13" name="Group 12"/>
+                <p:cNvGrpSpPr/>
+                <p:nvPr/>
+              </p:nvGrpSpPr>
+              <p:grpSpPr>
+                <a:xfrm>
+                  <a:off x="3059832" y="2857203"/>
+                  <a:ext cx="641507" cy="1549318"/>
+                  <a:chOff x="1122181" y="2780928"/>
+                  <a:chExt cx="641507" cy="1549318"/>
+                </a:xfrm>
+              </p:grpSpPr>
+              <p:sp>
+                <p:nvSpPr>
+                  <p:cNvPr id="14" name="Rectangle 13"/>
+                  <p:cNvSpPr/>
+                  <p:nvPr/>
+                </p:nvSpPr>
+                <p:spPr>
+                  <a:xfrm>
+                    <a:off x="1122181" y="3123539"/>
+                    <a:ext cx="468052" cy="864096"/>
+                  </a:xfrm>
+                  <a:prstGeom prst="rect">
+                    <a:avLst/>
+                  </a:prstGeom>
+                </p:spPr>
+                <p:style>
+                  <a:lnRef idx="2">
+                    <a:schemeClr val="dk1"/>
+                  </a:lnRef>
+                  <a:fillRef idx="1">
+                    <a:schemeClr val="lt1"/>
+                  </a:fillRef>
+                  <a:effectRef idx="0">
+                    <a:schemeClr val="dk1"/>
+                  </a:effectRef>
+                  <a:fontRef idx="minor">
+                    <a:schemeClr val="dk1"/>
+                  </a:fontRef>
+                </p:style>
+                <p:txBody>
+                  <a:bodyPr rtlCol="0" anchor="ctr"/>
+                  <a:lstStyle/>
+                  <a:p>
+                    <a:pPr algn="ctr"/>
+                    <a:endParaRPr lang="en-US"/>
+                  </a:p>
+                </p:txBody>
+              </p:sp>
+              <p:cxnSp>
+                <p:nvCxnSpPr>
+                  <p:cNvPr id="15" name="Straight Arrow Connector 14"/>
+                  <p:cNvCxnSpPr>
+                    <a:stCxn id="14" idx="0"/>
+                  </p:cNvCxnSpPr>
+                  <p:nvPr/>
+                </p:nvCxnSpPr>
+                <p:spPr>
+                  <a:xfrm flipV="1">
+                    <a:off x="1356207" y="2780928"/>
+                    <a:ext cx="0" cy="342611"/>
+                  </a:xfrm>
+                  <a:prstGeom prst="straightConnector1">
+                    <a:avLst/>
+                  </a:prstGeom>
+                  <a:ln>
+                    <a:tailEnd type="arrow"/>
+                  </a:ln>
+                </p:spPr>
+                <p:style>
+                  <a:lnRef idx="2">
+                    <a:schemeClr val="dk1"/>
+                  </a:lnRef>
+                  <a:fillRef idx="0">
+                    <a:schemeClr val="dk1"/>
+                  </a:fillRef>
+                  <a:effectRef idx="1">
+                    <a:schemeClr val="dk1"/>
+                  </a:effectRef>
+                  <a:fontRef idx="minor">
+                    <a:schemeClr val="tx1"/>
+                  </a:fontRef>
+                </p:style>
+              </p:cxnSp>
+              <p:cxnSp>
+                <p:nvCxnSpPr>
+                  <p:cNvPr id="16" name="Straight Arrow Connector 15"/>
+                  <p:cNvCxnSpPr/>
+                  <p:nvPr/>
+                </p:nvCxnSpPr>
+                <p:spPr>
+                  <a:xfrm flipV="1">
+                    <a:off x="1366214" y="3987635"/>
+                    <a:ext cx="0" cy="342611"/>
+                  </a:xfrm>
+                  <a:prstGeom prst="straightConnector1">
+                    <a:avLst/>
+                  </a:prstGeom>
+                  <a:ln>
+                    <a:tailEnd type="arrow"/>
+                  </a:ln>
+                </p:spPr>
+                <p:style>
+                  <a:lnRef idx="2">
+                    <a:schemeClr val="dk1"/>
+                  </a:lnRef>
+                  <a:fillRef idx="0">
+                    <a:schemeClr val="dk1"/>
+                  </a:fillRef>
+                  <a:effectRef idx="1">
+                    <a:schemeClr val="dk1"/>
+                  </a:effectRef>
+                  <a:fontRef idx="minor">
+                    <a:schemeClr val="tx1"/>
+                  </a:fontRef>
+                </p:style>
+              </p:cxnSp>
+              <p:cxnSp>
+                <p:nvCxnSpPr>
+                  <p:cNvPr id="17" name="Straight Arrow Connector 16"/>
+                  <p:cNvCxnSpPr>
+                    <a:stCxn id="14" idx="3"/>
+                  </p:cNvCxnSpPr>
+                  <p:nvPr/>
+                </p:nvCxnSpPr>
+                <p:spPr>
+                  <a:xfrm>
+                    <a:off x="1590233" y="3555587"/>
+                    <a:ext cx="173455" cy="0"/>
+                  </a:xfrm>
+                  <a:prstGeom prst="straightConnector1">
+                    <a:avLst/>
+                  </a:prstGeom>
+                  <a:ln>
+                    <a:tailEnd type="arrow"/>
+                  </a:ln>
+                </p:spPr>
+                <p:style>
+                  <a:lnRef idx="2">
+                    <a:schemeClr val="dk1"/>
+                  </a:lnRef>
+                  <a:fillRef idx="0">
+                    <a:schemeClr val="dk1"/>
+                  </a:fillRef>
+                  <a:effectRef idx="1">
+                    <a:schemeClr val="dk1"/>
+                  </a:effectRef>
+                  <a:fontRef idx="minor">
+                    <a:schemeClr val="tx1"/>
+                  </a:fontRef>
+                </p:style>
+              </p:cxnSp>
+            </p:grpSp>
+          </p:grpSp>
+          <p:sp>
+            <p:nvSpPr>
+              <p:cNvPr id="7" name="TextBox 6"/>
+              <p:cNvSpPr txBox="1"/>
+              <p:nvPr/>
+            </p:nvSpPr>
+            <p:spPr>
+              <a:xfrm>
+                <a:off x="2875626" y="5223827"/>
+                <a:ext cx="242374" cy="369332"/>
+              </a:xfrm>
+              <a:prstGeom prst="rect">
+                <a:avLst/>
+              </a:prstGeom>
+              <a:noFill/>
+            </p:spPr>
+            <p:txBody>
+              <a:bodyPr wrap="none" rtlCol="0">
+                <a:spAutoFit/>
+              </a:bodyPr>
+              <a:lstStyle/>
+              <a:p>
+                <a:r>
+                  <a:rPr lang="pl-PL" smtClean="0"/>
+                  <a:t>ł</a:t>
+                </a:r>
+                <a:endParaRPr lang="en-US"/>
+              </a:p>
+            </p:txBody>
+          </p:sp>
+          <p:sp>
+            <p:nvSpPr>
+              <p:cNvPr id="8" name="TextBox 7"/>
+              <p:cNvSpPr txBox="1"/>
+              <p:nvPr/>
+            </p:nvSpPr>
+            <p:spPr>
+              <a:xfrm>
+                <a:off x="3530739" y="5223827"/>
+                <a:ext cx="306494" cy="369332"/>
+              </a:xfrm>
+              <a:prstGeom prst="rect">
+                <a:avLst/>
+              </a:prstGeom>
+              <a:noFill/>
+            </p:spPr>
+            <p:txBody>
+              <a:bodyPr wrap="none" rtlCol="0">
+                <a:spAutoFit/>
+              </a:bodyPr>
+              <a:lstStyle/>
+              <a:p>
+                <a:r>
+                  <a:rPr lang="pl-PL" smtClean="0"/>
+                  <a:t>o</a:t>
+                </a:r>
+                <a:endParaRPr lang="en-US"/>
+              </a:p>
+            </p:txBody>
+          </p:sp>
+          <p:sp>
+            <p:nvSpPr>
+              <p:cNvPr id="9" name="TextBox 8"/>
+              <p:cNvSpPr txBox="1"/>
+              <p:nvPr/>
+            </p:nvSpPr>
+            <p:spPr>
+              <a:xfrm>
+                <a:off x="4168195" y="5223827"/>
+                <a:ext cx="349776" cy="369332"/>
+              </a:xfrm>
+              <a:prstGeom prst="rect">
+                <a:avLst/>
+              </a:prstGeom>
+              <a:noFill/>
+            </p:spPr>
+            <p:txBody>
+              <a:bodyPr wrap="none" rtlCol="0">
+                <a:spAutoFit/>
+              </a:bodyPr>
+              <a:lstStyle/>
+              <a:p>
+                <a:r>
+                  <a:rPr lang="pl-PL"/>
+                  <a:t>w</a:t>
+                </a:r>
+                <a:endParaRPr lang="en-US"/>
+              </a:p>
+            </p:txBody>
+          </p:sp>
+          <p:sp>
+            <p:nvSpPr>
+              <p:cNvPr id="30" name="Bent Arrow 29"/>
+              <p:cNvSpPr/>
+              <p:nvPr/>
+            </p:nvSpPr>
+            <p:spPr>
+              <a:xfrm>
+                <a:off x="4242434" y="3081536"/>
+                <a:ext cx="1038659" cy="504056"/>
+              </a:xfrm>
+              <a:prstGeom prst="bentArrow">
+                <a:avLst/>
+              </a:prstGeom>
+            </p:spPr>
+            <p:style>
+              <a:lnRef idx="2">
+                <a:schemeClr val="accent1">
+                  <a:shade val="50000"/>
+                </a:schemeClr>
+              </a:lnRef>
+              <a:fillRef idx="1">
+                <a:schemeClr val="accent1"/>
+              </a:fillRef>
+              <a:effectRef idx="0">
+                <a:schemeClr val="accent1"/>
+              </a:effectRef>
+              <a:fontRef idx="minor">
+                <a:schemeClr val="lt1"/>
+              </a:fontRef>
+            </p:style>
+            <p:txBody>
+              <a:bodyPr rtlCol="0" anchor="ctr"/>
+              <a:lstStyle/>
+              <a:p>
+                <a:pPr algn="ctr"/>
+                <a:endParaRPr lang="en-US">
+                  <a:solidFill>
+                    <a:schemeClr val="tx1"/>
+                  </a:solidFill>
+                </a:endParaRPr>
+              </a:p>
+            </p:txBody>
+          </p:sp>
+        </p:grpSp>
+        <p:graphicFrame>
+          <p:nvGraphicFramePr>
+            <p:cNvPr id="32" name="Chart 31"/>
+            <p:cNvGraphicFramePr/>
+            <p:nvPr>
+              <p:extLst>
+                <p:ext uri="{D42A27DB-BD31-4B8C-83A1-F6EECF244321}">
+                  <p14:modId xmlns:p14="http://schemas.microsoft.com/office/powerpoint/2010/main" val="3564750927"/>
+                </p:ext>
+              </p:extLst>
+            </p:nvPr>
+          </p:nvGraphicFramePr>
+          <p:xfrm>
+            <a:off x="4211960" y="2924944"/>
+            <a:ext cx="3984104" cy="1614665"/>
+          </p:xfrm>
+          <a:graphic>
+            <a:graphicData uri="http://schemas.openxmlformats.org/drawingml/2006/chart">
+              <c:chart xmlns:c="http://schemas.openxmlformats.org/drawingml/2006/chart" xmlns:r="http://schemas.openxmlformats.org/officeDocument/2006/relationships" r:id="rId2"/>
+            </a:graphicData>
+          </a:graphic>
+        </p:graphicFrame>
+      </p:grpSp>
+    </p:spTree>
+    <p:extLst>
+      <p:ext uri="{BB962C8B-B14F-4D97-AF65-F5344CB8AC3E}">
+        <p14:creationId xmlns:p14="http://schemas.microsoft.com/office/powerpoint/2010/main" val="3001900471"/>
+      </p:ext>
+    </p:extLst>
+  </p:cSld>
+  <p:clrMapOvr>
+    <a:masterClrMapping/>
+  </p:clrMapOvr>
+</p:sld>
+</file>
+
+<file path=ppt/slides/slide34.xml><?xml version="1.0" encoding="utf-8"?>
+<p:sld xmlns:a="http://schemas.openxmlformats.org/drawingml/2006/main" xmlns:r="http://schemas.openxmlformats.org/officeDocument/2006/relationships" xmlns:p="http://schemas.openxmlformats.org/presentationml/2006/main">
+  <p:cSld>
+    <p:spTree>
+      <p:nvGrpSpPr>
+        <p:cNvPr id="1" name=""/>
+        <p:cNvGrpSpPr/>
+        <p:nvPr/>
+      </p:nvGrpSpPr>
+      <p:grpSpPr>
+        <a:xfrm>
+          <a:off x="0" y="0"/>
+          <a:ext cx="0" cy="0"/>
+          <a:chOff x="0" y="0"/>
+          <a:chExt cx="0" cy="0"/>
+        </a:xfrm>
+      </p:grpSpPr>
+      <p:sp>
+        <p:nvSpPr>
+          <p:cNvPr id="2" name="Title 1"/>
+          <p:cNvSpPr>
+            <a:spLocks noGrp="1"/>
+          </p:cNvSpPr>
+          <p:nvPr>
+            <p:ph type="title"/>
+          </p:nvPr>
+        </p:nvSpPr>
+        <p:spPr/>
+        <p:txBody>
+          <a:bodyPr/>
+          <a:lstStyle/>
+          <a:p>
+            <a:r>
+              <a:rPr lang="pl-PL" smtClean="0"/>
+              <a:t>Dekodowanie</a:t>
+            </a:r>
+            <a:endParaRPr lang="en-US"/>
+          </a:p>
+        </p:txBody>
+      </p:sp>
+      <p:sp>
+        <p:nvSpPr>
+          <p:cNvPr id="3" name="Content Placeholder 2"/>
+          <p:cNvSpPr>
+            <a:spLocks noGrp="1"/>
+          </p:cNvSpPr>
+          <p:nvPr>
+            <p:ph idx="1"/>
+          </p:nvPr>
+        </p:nvSpPr>
+        <p:spPr/>
+        <p:txBody>
+          <a:bodyPr>
+            <a:normAutofit/>
+          </a:bodyPr>
+          <a:lstStyle/>
+          <a:p>
+            <a:r>
+              <a:rPr lang="pl-PL" smtClean="0"/>
+              <a:t>losowanie z rozkładu</a:t>
+            </a:r>
+          </a:p>
+          <a:p>
+            <a:endParaRPr lang="pl-PL"/>
+          </a:p>
+          <a:p>
+            <a:endParaRPr lang="pl-PL" smtClean="0"/>
+          </a:p>
+          <a:p>
+            <a:r>
+              <a:rPr lang="pl-PL" smtClean="0"/>
+              <a:t>losowanie z przekształconego rozkładu</a:t>
+            </a:r>
+          </a:p>
+        </p:txBody>
+      </p:sp>
+      <p:graphicFrame>
+        <p:nvGraphicFramePr>
+          <p:cNvPr id="32" name="Chart 31"/>
+          <p:cNvGraphicFramePr/>
+          <p:nvPr>
+            <p:extLst>
+              <p:ext uri="{D42A27DB-BD31-4B8C-83A1-F6EECF244321}">
+                <p14:modId xmlns:p14="http://schemas.microsoft.com/office/powerpoint/2010/main" val="972218614"/>
+              </p:ext>
+            </p:extLst>
+          </p:nvPr>
+        </p:nvGraphicFramePr>
+        <p:xfrm>
+          <a:off x="4499992" y="1484784"/>
+          <a:ext cx="3984104" cy="1614665"/>
+        </p:xfrm>
+        <a:graphic>
+          <a:graphicData uri="http://schemas.openxmlformats.org/drawingml/2006/chart">
+            <c:chart xmlns:c="http://schemas.openxmlformats.org/drawingml/2006/chart" xmlns:r="http://schemas.openxmlformats.org/officeDocument/2006/relationships" r:id="rId2"/>
+          </a:graphicData>
+        </a:graphic>
+      </p:graphicFrame>
+      <p:graphicFrame>
+        <p:nvGraphicFramePr>
+          <p:cNvPr id="33" name="Chart 32"/>
+          <p:cNvGraphicFramePr/>
+          <p:nvPr>
+            <p:extLst>
+              <p:ext uri="{D42A27DB-BD31-4B8C-83A1-F6EECF244321}">
+                <p14:modId xmlns:p14="http://schemas.microsoft.com/office/powerpoint/2010/main" val="1203259867"/>
+              </p:ext>
+            </p:extLst>
+          </p:nvPr>
+        </p:nvGraphicFramePr>
+        <p:xfrm>
+          <a:off x="395536" y="4005064"/>
+          <a:ext cx="3984104" cy="1614665"/>
+        </p:xfrm>
+        <a:graphic>
+          <a:graphicData uri="http://schemas.openxmlformats.org/drawingml/2006/chart">
+            <c:chart xmlns:c="http://schemas.openxmlformats.org/drawingml/2006/chart" xmlns:r="http://schemas.openxmlformats.org/officeDocument/2006/relationships" r:id="rId3"/>
+          </a:graphicData>
+        </a:graphic>
+      </p:graphicFrame>
+      <p:graphicFrame>
+        <p:nvGraphicFramePr>
+          <p:cNvPr id="35" name="Chart 34"/>
+          <p:cNvGraphicFramePr/>
+          <p:nvPr>
+            <p:extLst>
+              <p:ext uri="{D42A27DB-BD31-4B8C-83A1-F6EECF244321}">
+                <p14:modId xmlns:p14="http://schemas.microsoft.com/office/powerpoint/2010/main" val="2485301872"/>
+              </p:ext>
+            </p:extLst>
+          </p:nvPr>
+        </p:nvGraphicFramePr>
+        <p:xfrm>
+          <a:off x="4716016" y="4005064"/>
+          <a:ext cx="3984104" cy="1614665"/>
+        </p:xfrm>
+        <a:graphic>
+          <a:graphicData uri="http://schemas.openxmlformats.org/drawingml/2006/chart">
+            <c:chart xmlns:c="http://schemas.openxmlformats.org/drawingml/2006/chart" xmlns:r="http://schemas.openxmlformats.org/officeDocument/2006/relationships" r:id="rId4"/>
+          </a:graphicData>
+        </a:graphic>
+      </p:graphicFrame>
+    </p:spTree>
+    <p:extLst>
+      <p:ext uri="{BB962C8B-B14F-4D97-AF65-F5344CB8AC3E}">
+        <p14:creationId xmlns:p14="http://schemas.microsoft.com/office/powerpoint/2010/main" val="2483610687"/>
+      </p:ext>
+    </p:extLst>
+  </p:cSld>
+  <p:clrMapOvr>
+    <a:masterClrMapping/>
+  </p:clrMapOvr>
+</p:sld>
+</file>
+
+<file path=ppt/slides/slide35.xml><?xml version="1.0" encoding="utf-8"?>
 <p:sld xmlns:a="http://schemas.openxmlformats.org/drawingml/2006/main" xmlns:r="http://schemas.openxmlformats.org/officeDocument/2006/relationships" xmlns:p="http://schemas.openxmlformats.org/presentationml/2006/main">
   <p:cSld>
     <p:spTree>
@@ -26032,11 +28012,7 @@
           <a:p>
             <a:r>
               <a:rPr lang="pl-PL" smtClean="0"/>
-              <a:t>Klasyfikacja – sieci </a:t>
-            </a:r>
-            <a:r>
-              <a:rPr lang="pl-PL" smtClean="0"/>
-              <a:t>neuronowe</a:t>
+              <a:t>Klasyfikacja – sieci neuronowe</a:t>
             </a:r>
             <a:endParaRPr lang="en-US"/>
           </a:p>
